--- a/sticker/sticker.pptx
+++ b/sticker/sticker.pptx
@@ -104,6 +104,11 @@
       </a:defRPr>
     </a:lvl9pPr>
   </p:defaultTextStyle>
+  <p:extLst>
+    <p:ext uri="{EFAFB233-063F-42B5-8137-9DF3F51BA10A}">
+      <p15:sldGuideLst xmlns:p15="http://schemas.microsoft.com/office/powerpoint/2012/main"/>
+    </p:ext>
+  </p:extLst>
 </p:presentation>
 </file>
 
@@ -2974,16 +2979,16 @@
       </p:grpSpPr>
       <p:grpSp>
         <p:nvGrpSpPr>
-          <p:cNvPr id="12" name="Group 11"/>
+          <p:cNvPr id="7" name="Group 6"/>
           <p:cNvGrpSpPr/>
           <p:nvPr/>
         </p:nvGrpSpPr>
         <p:grpSpPr>
           <a:xfrm>
-            <a:off x="2649048" y="181493"/>
-            <a:ext cx="6059979" cy="5869364"/>
-            <a:chOff x="2649048" y="181493"/>
-            <a:chExt cx="6059979" cy="5869364"/>
+            <a:off x="2676899" y="199349"/>
+            <a:ext cx="6058018" cy="5863526"/>
+            <a:chOff x="2676899" y="199349"/>
+            <a:chExt cx="6058018" cy="5863526"/>
           </a:xfrm>
         </p:grpSpPr>
         <p:pic>
@@ -3008,7 +3013,7 @@
           </p:blipFill>
           <p:spPr>
             <a:xfrm>
-              <a:off x="2649048" y="2194612"/>
+              <a:off x="4329622" y="199349"/>
               <a:ext cx="3600000" cy="3600000"/>
             </a:xfrm>
             <a:prstGeom prst="rect">
@@ -3022,7 +3027,7 @@
               <a:bevel/>
             </a:ln>
             <a:scene3d>
-              <a:camera prst="isometricOffAxis1Left"/>
+              <a:camera prst="isometricOffAxis1Top"/>
               <a:lightRig rig="threePt" dir="t"/>
             </a:scene3d>
           </p:spPr>
@@ -3049,7 +3054,7 @@
           </p:blipFill>
           <p:spPr>
             <a:xfrm>
-              <a:off x="5109027" y="2450857"/>
+              <a:off x="2676899" y="2203405"/>
               <a:ext cx="3600000" cy="3600000"/>
             </a:xfrm>
             <a:prstGeom prst="rect">
@@ -3063,7 +3068,7 @@
               <a:bevel/>
             </a:ln>
             <a:scene3d>
-              <a:camera prst="isometricOffAxis1Right"/>
+              <a:camera prst="isometricOffAxis1Left"/>
               <a:lightRig rig="threePt" dir="t"/>
             </a:scene3d>
           </p:spPr>
@@ -3090,7 +3095,7 @@
           </p:blipFill>
           <p:spPr>
             <a:xfrm>
-              <a:off x="4312881" y="181493"/>
+              <a:off x="5134917" y="2462875"/>
               <a:ext cx="3600000" cy="3600000"/>
             </a:xfrm>
             <a:prstGeom prst="rect">
@@ -3104,7 +3109,7 @@
               <a:bevel/>
             </a:ln>
             <a:scene3d>
-              <a:camera prst="isometricOffAxis1Top"/>
+              <a:camera prst="isometricOffAxis1Right"/>
               <a:lightRig rig="threePt" dir="t"/>
             </a:scene3d>
           </p:spPr>
